--- a/坐标系跟曲面.pptx
+++ b/坐标系跟曲面.pptx
@@ -274,7 +274,7 @@
           <a:p>
             <a:fld id="{CF0CC4B5-EF3F-48EA-81E7-36CBE159694B}" type="datetimeFigureOut">
               <a:rPr lang="zh-CN" altLang="en-US" smtClean="0"/>
-              <a:t>2022/9/21</a:t>
+              <a:t>2022/9/22</a:t>
             </a:fld>
             <a:endParaRPr lang="zh-CN" altLang="en-US"/>
           </a:p>
@@ -472,7 +472,7 @@
           <a:p>
             <a:fld id="{CF0CC4B5-EF3F-48EA-81E7-36CBE159694B}" type="datetimeFigureOut">
               <a:rPr lang="zh-CN" altLang="en-US" smtClean="0"/>
-              <a:t>2022/9/21</a:t>
+              <a:t>2022/9/22</a:t>
             </a:fld>
             <a:endParaRPr lang="zh-CN" altLang="en-US"/>
           </a:p>
@@ -680,7 +680,7 @@
           <a:p>
             <a:fld id="{CF0CC4B5-EF3F-48EA-81E7-36CBE159694B}" type="datetimeFigureOut">
               <a:rPr lang="zh-CN" altLang="en-US" smtClean="0"/>
-              <a:t>2022/9/21</a:t>
+              <a:t>2022/9/22</a:t>
             </a:fld>
             <a:endParaRPr lang="zh-CN" altLang="en-US"/>
           </a:p>
@@ -878,7 +878,7 @@
           <a:p>
             <a:fld id="{CF0CC4B5-EF3F-48EA-81E7-36CBE159694B}" type="datetimeFigureOut">
               <a:rPr lang="zh-CN" altLang="en-US" smtClean="0"/>
-              <a:t>2022/9/21</a:t>
+              <a:t>2022/9/22</a:t>
             </a:fld>
             <a:endParaRPr lang="zh-CN" altLang="en-US"/>
           </a:p>
@@ -1153,7 +1153,7 @@
           <a:p>
             <a:fld id="{CF0CC4B5-EF3F-48EA-81E7-36CBE159694B}" type="datetimeFigureOut">
               <a:rPr lang="zh-CN" altLang="en-US" smtClean="0"/>
-              <a:t>2022/9/21</a:t>
+              <a:t>2022/9/22</a:t>
             </a:fld>
             <a:endParaRPr lang="zh-CN" altLang="en-US"/>
           </a:p>
@@ -1418,7 +1418,7 @@
           <a:p>
             <a:fld id="{CF0CC4B5-EF3F-48EA-81E7-36CBE159694B}" type="datetimeFigureOut">
               <a:rPr lang="zh-CN" altLang="en-US" smtClean="0"/>
-              <a:t>2022/9/21</a:t>
+              <a:t>2022/9/22</a:t>
             </a:fld>
             <a:endParaRPr lang="zh-CN" altLang="en-US"/>
           </a:p>
@@ -1830,7 +1830,7 @@
           <a:p>
             <a:fld id="{CF0CC4B5-EF3F-48EA-81E7-36CBE159694B}" type="datetimeFigureOut">
               <a:rPr lang="zh-CN" altLang="en-US" smtClean="0"/>
-              <a:t>2022/9/21</a:t>
+              <a:t>2022/9/22</a:t>
             </a:fld>
             <a:endParaRPr lang="zh-CN" altLang="en-US"/>
           </a:p>
@@ -1971,7 +1971,7 @@
           <a:p>
             <a:fld id="{CF0CC4B5-EF3F-48EA-81E7-36CBE159694B}" type="datetimeFigureOut">
               <a:rPr lang="zh-CN" altLang="en-US" smtClean="0"/>
-              <a:t>2022/9/21</a:t>
+              <a:t>2022/9/22</a:t>
             </a:fld>
             <a:endParaRPr lang="zh-CN" altLang="en-US"/>
           </a:p>
@@ -2084,7 +2084,7 @@
           <a:p>
             <a:fld id="{CF0CC4B5-EF3F-48EA-81E7-36CBE159694B}" type="datetimeFigureOut">
               <a:rPr lang="zh-CN" altLang="en-US" smtClean="0"/>
-              <a:t>2022/9/21</a:t>
+              <a:t>2022/9/22</a:t>
             </a:fld>
             <a:endParaRPr lang="zh-CN" altLang="en-US"/>
           </a:p>
@@ -2395,7 +2395,7 @@
           <a:p>
             <a:fld id="{CF0CC4B5-EF3F-48EA-81E7-36CBE159694B}" type="datetimeFigureOut">
               <a:rPr lang="zh-CN" altLang="en-US" smtClean="0"/>
-              <a:t>2022/9/21</a:t>
+              <a:t>2022/9/22</a:t>
             </a:fld>
             <a:endParaRPr lang="zh-CN" altLang="en-US"/>
           </a:p>
@@ -2683,7 +2683,7 @@
           <a:p>
             <a:fld id="{CF0CC4B5-EF3F-48EA-81E7-36CBE159694B}" type="datetimeFigureOut">
               <a:rPr lang="zh-CN" altLang="en-US" smtClean="0"/>
-              <a:t>2022/9/21</a:t>
+              <a:t>2022/9/22</a:t>
             </a:fld>
             <a:endParaRPr lang="zh-CN" altLang="en-US"/>
           </a:p>
@@ -2924,7 +2924,7 @@
           <a:p>
             <a:fld id="{CF0CC4B5-EF3F-48EA-81E7-36CBE159694B}" type="datetimeFigureOut">
               <a:rPr lang="zh-CN" altLang="en-US" smtClean="0"/>
-              <a:t>2022/9/21</a:t>
+              <a:t>2022/9/22</a:t>
             </a:fld>
             <a:endParaRPr lang="zh-CN" altLang="en-US"/>
           </a:p>
@@ -4160,7 +4160,15 @@
             </a:r>
             <a:r>
               <a:rPr lang="en-US" altLang="zh-CN" dirty="0"/>
-              <a:t> = V2 * Gu * </a:t>
+              <a:t> </a:t>
+            </a:r>
+            <a:r>
+              <a:rPr lang="en-US" altLang="zh-CN"/>
+              <a:t>= V1 </a:t>
+            </a:r>
+            <a:r>
+              <a:rPr lang="en-US" altLang="zh-CN" dirty="0"/>
+              <a:t>* Gu * </a:t>
             </a:r>
             <a:r>
               <a:rPr lang="en-US" altLang="zh-CN" dirty="0" err="1"/>
@@ -4391,8 +4399,21 @@
             </a:r>
             <a:r>
               <a:rPr lang="en-US" altLang="zh-CN" dirty="0"/>
-              <a:t> = du*G21 – dv*G12</a:t>
-            </a:r>
+              <a:t> = du*G21 – dv*G12 -</a:t>
+            </a:r>
+            <a:r>
+              <a:rPr lang="zh-CN" altLang="en-US" dirty="0"/>
+              <a:t>（</a:t>
+            </a:r>
+            <a:r>
+              <a:rPr lang="en-US" altLang="zh-CN" dirty="0"/>
+              <a:t>du-dv</a:t>
+            </a:r>
+            <a:r>
+              <a:rPr lang="zh-CN" altLang="en-US" dirty="0"/>
+              <a:t>）</a:t>
+            </a:r>
+            <a:endParaRPr lang="en-US" altLang="zh-CN" dirty="0"/>
           </a:p>
           <a:p>
             <a:r>
@@ -5827,14 +5848,8 @@
             </a:r>
             <a:r>
               <a:rPr lang="zh-CN" altLang="en-US" dirty="0"/>
-              <a:t>点乘操作</a:t>
-            </a:r>
-            <a:endParaRPr lang="en-US" altLang="zh-CN" dirty="0"/>
-          </a:p>
-          <a:p>
-            <a:pPr marL="0" indent="0">
-              <a:buNone/>
-            </a:pPr>
+              <a:t>点乘操作（注意在非正交情况下需要使用平行投影）</a:t>
+            </a:r>
             <a:endParaRPr lang="en-US" altLang="zh-CN" dirty="0"/>
           </a:p>
           <a:p>
